--- a/MATERNAL HEALTH RISKS ANALYSIS.pptx
+++ b/MATERNAL HEALTH RISKS ANALYSIS.pptx
@@ -6551,21 +6551,21 @@
     <we:reference id="WA200003233" version="2.0.0.3" store="" storeType="OMEX"/>
   </we:alternateReferences>
   <we:properties>
-    <we:property name="reportUrl" value="&quot;/groups/me/reports/181d6160-eee0-4f78-8e9a-e72597644309/ReportSection36dd2d8048b9a8025580?bookmarkGuid=ed15c5c2-f0be-4784-ba00-fbc036fdf7a9&amp;bookmarkUsage=1&amp;ctid=c0a4bf48-8012-4295-a9eb-2923a6919e48&amp;fromEntryPoint=export&quot;"/>
+    <we:property name="backgroundColor" value="&quot;#E6E6E6&quot;"/>
+    <we:property name="bookmark" value="&quot;H4sIAAAAAAAAA+1ZUW/iOBD+K1Ve9gWtEoeEpG+FdnXS7Z0QrVYnndBpYg/UWxPnHEOXq/jvO3Zgu1S0dLeCpqdFQiLjieeb8TfjsbkLhKwrBcs/YYbBadDX+mYG5uYkCjpBuS3LGYZxFCUQI0uihItuhKSlKyt1WQend4EFM0X7SdZzUG5CEv497gSg1BCm7mkCqsZOUKGpdQlK/oeNMg1ZM8dVJ8AvldIG3JSXFiy6aRekTs8EJXofk0XgVi7wErltpCOstLHr5zgVgoks7GZFDlnIkiQL6Z26GfUw9+s7ox7YQJcWZEkAnAziDDHNUyaAAe8VOeOZk0+ksmuVYnnxpTLkN0VjWbnwnYkFlBxF4J0zWDe+3AUDreYz/+tiS36p54bjCCd+qLTSLmmaPygYhmJ28huCstcnI1nfnJyDhWBFYRsaTUH1imdT9KJrfTswSG+J4DRcdfbjOZtODU7Brh8vjgHWDXzEBSo/8GFertc0ecqDAYmm2kgO6lhB3ca5DWxMklqWU7Um8z17rhq8ighEZOY3KBp4Az0r9OAajHX5U3wmJjry0DzaCDT9pefPuTQbirPOA3datlar8SYrSf/zd6m2XqrGoYMSfrxy4qgQoivysIehiHP69opib4a+Ap8I8z99KMXbydT+5Y+k6LGL3hrd/6ViVHKh7RUUCp9ZIKKHBeLwvH0050f6tj5wvm8wEITGyEENenKNm+YEynrTmjQ2jVb+V+M2AVJu0Zuxf+dolmTWjz9q7v03h+htWZMTCqraMcX1RCQS6CH/jssjxlXWQ1mWGxQul57pzT3xH3Fne2JSMlpbB3nj6CdQcxfTcq6UL+ydQEA3m0Ca8pCatSTmebeFnReNGztyTesbqkUt3W5+oDHcW02BdH91WwcgedNzdbMYC4ZxERYRpj3Gk17v53PzNWK9OTK9jGYcjHhLDNvp9brc5hMWpr0MiyQME57TgTdsYxv9wsL2qvtAy1rko8PRYnmFs6pVoM4l1FYryfvDVuG6XL4MVjvKS/SGsf/MhlBzsGRwZ+uxc//+6winGCfNo15SYJpkYcw5sizPYmhdN/1EgdgfecoVNFsxD2Zopv46WThjzrGqMSbRj5dz0pCcjnbGn0bQ+38XfJQEuLHhDybuGjqMzgMfyZkWuEf5XR9qyd85/fXuunPtN4eeAxLgPqANDZJ8EudhSrt8lOTIBEshbx8Ndm1bByHAs9YS7S1i2YbVvE9nxrCIo4JR580EnY0jlu5vwNt16fl6C9qS5Pz+8mWdnFSg4zgElrKoSOK0G/objyejJGcwfXBl6D+7w6bntq6A4xBK3BE+f9sl3Po8GUL/n963AK5WXwFiIuNWUxwAAA==&quot;"/>
+    <we:property name="creatorSessionId" value="&quot;6f116bce-6a47-4428-bbe5-2572d6c849ad&quot;"/>
+    <we:property name="creatorTenantId" value="&quot;c0a4bf48-8012-4295-a9eb-2923a6919e48&quot;"/>
+    <we:property name="creatorUserId" value="&quot;10032000EFD170BD&quot;"/>
+    <we:property name="datasetId" value="&quot;0e25b4fa-f9c2-433c-a173-2741f07cb194&quot;"/>
+    <we:property name="embedUrl" value="&quot;/reportEmbed?reportId=181d6160-eee0-4f78-8e9a-e72597644309&amp;config=eyJjbHVzdGVyVXJsIjoiaHR0cHM6Ly9XQUJJLVVLLVNPVVRILXJlZGlyZWN0LmFuYWx5c2lzLndpbmRvd3MubmV0IiwiZW1iZWRGZWF0dXJlcyI6eyJtb2Rlcm5FbWJlZCI6dHJ1ZSwidXNhZ2VNZXRyaWNzVk5leHQiOnRydWV9fQ%3D%3D&amp;disableSensitivityBanner=true&quot;"/>
+    <we:property name="initialStateBookmark" value="&quot;H4sIAAAAAAAAA+1Z3W/bNhD/VwK99MUoJMqSpbzZToYBaVrDCYoBg1FQ5NlhQ4saRTnVAv/vO1J2Gwf+yNbFkYf5STqSd7/75On86HFRFpLWH+kcvHNvoNT9nOr7s8DrePmK9unT1XV/fPXlY//6EsmqMELlpXf+6BmqZ2A+i7Ki0nJA4u+TjkelHNGZfZtSWULHK0CXKqdS/AnNZlwyuoJlx4NvhVSaWpY3hhqwbBe4Hd9RdvA+RImUGbGAG2CmoY6hUNqs3sOYc8ITv5tkKU18EkWJj2fKZtXBPLzfCnXAhio3VOQIwNKiFOIoDH1KYhJkURh3/cTSS5HP5EqVH2dv68LaS8xRd2un7CtKtHyWS1SUEMjCICOERYSHLA1I3LNnp0KalbisvvxWaLQhWrbhNUSLzJQWDOU4W2koG9M8ekMlq7l7utyg36hKMxjD1C3lRpgaOV0jJ40uOPsVqDR3Z2NR3p9dUEM9C26kFfrIbezP4MuA5tzR79TDUAMe5d65v5wgZa/qpRQM9Ibu3hwwRuwDt8KsbkUjTECzrrhbBqf6o/dBINCG92cqK8v23YCWgr1DRPibWFxNRCDqr0/c7LaXTsTr22binBql0zD14wSyAGOFcBLT9KBT+3xBc4YmPZJHBzet8iWYB4C8Bd50dmn8mAa9KMNcT/yQMSBJmoS0fX5UvL6FeXEsb+YV7hAMy7I2B7wa+MGF5yx5Sun8xKBNGPB0Svy4h+kc+X7EUsKp38YabRc+wALkllDovFl84ro2Y3uHtwnV1ur3hnB2J/HbgboQtDQKS8Rg1CpcN/XPwerPZhpm1KxeL4/UPznSL1W+6leDE8Ye/ZO7hlGDAod39t7Y6IN3VPrfjnTLd5MQMgJh5mcBxD3sxHuHW/D/oIMY1fy5Y5TmoAe10/xC6PW3Fuk8U6A1WjedA6fdZErjmPn4URfhZ1WXJa1r3F52MZ5eH/EWsbAJ+efygOLerVWqzcmwxwDLyY4Cuwqt+jXr7NMgb8ptkHHe5anfA5/jVzIPe1nWxm56z8SjpUmw6mn3Rn9rO+6W1bmDVaIQC2VuaSbhhWUieF4mXj9ud2b+WD0cbSLWWQk5xtDGBQ7Ny/XYuJGplXRPjdoISFqnN2t/VKBrFOvWd4p7/10hPC1KVELSorSRYufVSOLgIF9BfUS7inIk8nyNwubSC7X5Efg71NlkjJu0Um7Ys1Z0PYXJKynX05owAYjTmHBKKOtlKWlhz7XuGU+inv+NpuZ066gUOWCusnvgDbyhmmfq//7rXw34iRuqLrfPeVVlyoIyGNEctsx7XUXl1pt7x7fuP71m2Iv+FfZe3H/Alpbvw97l8i8KUwsEdBwAAA==&quot;"/>
+    <we:property name="isFiltersActionButtonVisible" value="true"/>
+    <we:property name="pageDisplayName" value="&quot;Dashboard&quot;"/>
+    <we:property name="pageName" value="&quot;ReportSection36dd2d8048b9a8025580&quot;"/>
+    <we:property name="reportEmbeddedTime" value="&quot;2023-09-10T23:38:34.354Z&quot;"/>
     <we:property name="reportName" value="&quot;Maternal Health Risks Analysis&quot;"/>
     <we:property name="reportState" value="&quot;CONNECTED&quot;"/>
-    <we:property name="embedUrl" value="&quot;/reportEmbed?reportId=181d6160-eee0-4f78-8e9a-e72597644309&amp;config=eyJjbHVzdGVyVXJsIjoiaHR0cHM6Ly9XQUJJLVVLLVNPVVRILXJlZGlyZWN0LmFuYWx5c2lzLndpbmRvd3MubmV0IiwiZW1iZWRGZWF0dXJlcyI6eyJtb2Rlcm5FbWJlZCI6dHJ1ZSwidXNhZ2VNZXRyaWNzVk5leHQiOnRydWV9fQ%3D%3D&amp;disableSensitivityBanner=true&quot;"/>
-    <we:property name="pageName" value="&quot;ReportSection36dd2d8048b9a8025580&quot;"/>
-    <we:property name="pageDisplayName" value="&quot;Dashboard&quot;"/>
-    <we:property name="datasetId" value="&quot;0e25b4fa-f9c2-433c-a173-2741f07cb194&quot;"/>
-    <we:property name="backgroundColor" value="&quot;#E6E6E6&quot;"/>
-    <we:property name="bookmark" value="&quot;H4sIAAAAAAAAA+1Z227jNhD9lYAv+yIEEnXPW+x4UWDTwnCCtEARFBQ5driRRZWik3UD/3uHlJ2NUzv2djeOUtSAAYmXmTNXDkcPRMimLtn8FzYFckJ6St1Omb49CohHqvWxII2CIEriLA9zP4v9NMw4rlK1kapqyMkDMUxPwFzJZsZKSxAHfydxPsb1SQZFEOdABU1YTq49wspyyCZ2zZiVDXikBt2oipXyL2hJ4JTRM1h4BL7UpdLMMrowzIBldofL8R0BBsch4mDcyDu4AG7a0RHUSpvle5gIQUXmR1mRs8yncZz5uKdpZx343estUwesryrDZIUA7BhKlcRh6DOa0KCIwyTyMzveyGpSLkX5uvdyXlulyinKbrVXfEaOls5igYJSCkUYFJTymIqQ5wFNUrt3LEuzZFfMB19qjZpFfbe0+qiRidKSIx+nKw1Nq5oH0lflbOqeBmvjF2qmOYxg7KYqI80cKf2MlDSa4OgnYKW5ORrJ5vbojBlGLLihVmgjt/B0An/0WCXc+I2672vArYKc+ItrHHlR9KaUHPSa7GQK6Dn2QVhmVra6ZSahnVfCTYMT/YGcSwTa0r5i5cyS/dBjjeQfEBH+ri2u1iMQ9ecnZnbLG8fi9XVz7Yy6MQJ2GfVU3LGKo0oPZNHexQ+35QSq1kj/MGcr+frT1SqeqUc+ajV125ZpaYoc9hDJIy0sBO6RX29Aw9LOlZDmUX3TmmnZPH/7JNFiJ5FHzmFs9tZz++IQbtbnSE5uzBaPDbJjmqdBHIVp5PuRH589Ou/CSrAlFqoZaljygcX7YkRspu/tF0xg7gGqDoSTU2QbSHmQxgUm28wPOQea5VnIuhdISswvYVofKjUu3QHPRW12OYQffIsLdCSfPlFo6wYiH1M/STGfxr4f85wK5nfxkLQT53AH5QZX8N7MP3Fem5EtorqEauPx84Zwtgfx24E6k6wxClNEb9gpXBfz74N1OplomLDVCT04UAHrhj7OquWFIXjH2ON/c9ZwZpBh/8aeG2sXkS2Z/rcDnfJRFkJBISz8IoAkxatQuvsO9B80EGdaPDeM0gJ0b+4kP5N6ddnFknnQTanbykGwKBuzJOE+3qpjvNdGPOtc4bbfwfj+6oi38IV1yN8XBwzXbsxSXQ6GFxRgr3YbE+zSteavmWefOnmbboNCiEjkfgq+CHP8p0XRxWr6hZZTR4NgWdO+6P2drbg7lud2Zola3ilzyYoS9kwTwfM08fp+uzXyR+r+YC1Jb8nkEE0b5zisalZ9+5anVmX7acCJjYBKa/R27s8Z6DmydfNb2R0/CoS7ZYNClKxurKfYDwY4JMBB/gTzA+pVNkNZVSsUNpb2lOar428RZ50wLtJKuWbPStBVF6aaleWqWxNmAEmeUMEo42mR0w7WXKua8V3k828oat5vHi1lBRir/BZEC6+vpoX6v/76oQ7vOvx2ZlOfV81MUzMOQ1bBhn6vy6gCdjX/3UfVJ98T/gZuLdUl6h0AAA==&quot;"/>
-    <we:property name="initialStateBookmark" value="&quot;H4sIAAAAAAAAA+1Z3W/bNhD/VwK99MUoJMqSpbzZToYBaVrDCYoBg1FQ5NlhQ4saRTnVAv/vO1J2Gwf+yNbFkYf5STqSd7/75On86HFRFpLWH+kcvHNvoNT9nOr7s8DrePmK9unT1XV/fPXlY//6EsmqMELlpXf+6BmqZ2A+i7Ki0nJA4u+TjkelHNGZfZtSWULHK0CXKqdS/AnNZlwyuoJlx4NvhVSaWpY3hhqwbBe4Hd9RdvA+RImUGbGAG2CmoY6hUNqs3sOYc8ITv5tkKU18EkWJj2fKZtXBPLzfCnXAhio3VOQIwNKiFOIoDH1KYhJkURh3/cTSS5HP5EqVH2dv68LaS8xRd2un7CtKtHyWS1SUEMjCICOERYSHLA1I3LNnp0KalbisvvxWaLQhWrbhNUSLzJQWDOU4W2koG9M8ekMlq7l7utyg36hKMxjD1C3lRpgaOV0jJ40uOPsVqDR3Z2NR3p9dUEM9C26kFfrIbezP4MuA5tzR79TDUAMe5d65v5wgZa/qpRQM9Ibu3hwwRuwDt8KsbkUjTECzrrhbBqf6o/dBINCG92cqK8v23YCWgr1DRPibWFxNRCDqr0/c7LaXTsTr22binBql0zD14wSyAGOFcBLT9KBT+3xBc4YmPZJHBzet8iWYB4C8Bd50dmn8mAa9KMNcT/yQMSBJmoS0fX5UvL6FeXEsb+YV7hAMy7I2B7wa+MGF5yx5Sun8xKBNGPB0Svy4h+kc+X7EUsKp38YabRc+wALkllDovFl84ro2Y3uHtwnV1ur3hnB2J/HbgboQtDQKS8Rg1CpcN/XPwerPZhpm1KxeL4/UPznSL1W+6leDE8Ye/ZO7hlGDAod39t7Y6IN3VPrfjnTLd5MQMgJh5mcBxD3sxHuHW/D/oIMY1fy5Y5TmoAe10/xC6PW3Fuk8U6A1WjedA6fdZErjmPn4URfhZ1WXJa1r3F52MZ5eH/EWsbAJ+efygOLerVWqzcmwxwDLyY4Cuwqt+jXr7NMgb8ptkHHe5anfA5/jVzIPe1nWxm56z8SjpUmw6mn3Rn9rO+6W1bmDVaIQC2VuaSbhhWUieF4mXj9ud2b+WD0cbSLWWQk5xtDGBQ7Ny/XYuJGplXRPjdoISFqnN2t/VKBrFOvWd4p7/10hPC1KVELSorSRYufVSOLgIF9BfUS7inIk8nyNwubSC7X5Efg71NlkjJu0Um7Ys1Z0PYXJKynX05owAYjTmHBKKOtlKWlhz7XuGU+inv+NpuZ066gUOWCusnvgDbyhmmfq//7rXw34iRuqLrfPeVVlyoIyGNEctsx7XUXl1pt7x7fuP71m2Iv+FfZe3H/Alpbvw97l8i8KUwsEdBwAAA==&quot;"/>
-    <we:property name="isFiltersActionButtonVisible" value="true"/>
-    <we:property name="reportEmbeddedTime" value="&quot;2023-09-10T23:38:34.354Z&quot;"/>
-    <we:property name="creatorTenantId" value="&quot;c0a4bf48-8012-4295-a9eb-2923a6919e48&quot;"/>
-    <we:property name="creatorUserId" value="&quot;10032000EFD170BD&quot;"/>
-    <we:property name="creatorSessionId" value="&quot;6f116bce-6a47-4428-bbe5-2572d6c849ad&quot;"/>
+    <we:property name="reportUrl" value="&quot;/groups/me/reports/181d6160-eee0-4f78-8e9a-e72597644309/ReportSection36dd2d8048b9a8025580?bookmarkGuid=ed15c5c2-f0be-4784-ba00-fbc036fdf7a9&amp;bookmarkUsage=1&amp;ctid=c0a4bf48-8012-4295-a9eb-2923a6919e48&amp;fromEntryPoint=export&quot;"/>
   </we:properties>
   <we:bindings/>
   <we:snapshot xmlns:r="http://schemas.openxmlformats.org/officeDocument/2006/relationships" r:embed="rId1"/>
